--- a/TRD Meeting Presentation.pptx
+++ b/TRD Meeting Presentation.pptx
@@ -5,18 +5,24 @@
     <p:sldMasterId id="2147483648" r:id="rId4"/>
   </p:sldMasterIdLst>
   <p:notesMasterIdLst>
-    <p:notesMasterId r:id="rId11"/>
+    <p:notesMasterId r:id="rId17"/>
   </p:notesMasterIdLst>
   <p:handoutMasterIdLst>
-    <p:handoutMasterId r:id="rId12"/>
+    <p:handoutMasterId r:id="rId18"/>
   </p:handoutMasterIdLst>
   <p:sldIdLst>
     <p:sldId id="336" r:id="rId5"/>
     <p:sldId id="339" r:id="rId6"/>
     <p:sldId id="338" r:id="rId7"/>
     <p:sldId id="337" r:id="rId8"/>
-    <p:sldId id="342" r:id="rId9"/>
-    <p:sldId id="343" r:id="rId10"/>
+    <p:sldId id="345" r:id="rId9"/>
+    <p:sldId id="342" r:id="rId10"/>
+    <p:sldId id="346" r:id="rId11"/>
+    <p:sldId id="343" r:id="rId12"/>
+    <p:sldId id="347" r:id="rId13"/>
+    <p:sldId id="348" r:id="rId14"/>
+    <p:sldId id="349" r:id="rId15"/>
+    <p:sldId id="344" r:id="rId16"/>
   </p:sldIdLst>
   <p:sldSz cx="12192000" cy="6858000"/>
   <p:notesSz cx="6858000" cy="9144000"/>
@@ -10530,6 +10536,476 @@
     <p:extLst>
       <p:ext uri="{BB962C8B-B14F-4D97-AF65-F5344CB8AC3E}">
         <p14:creationId xmlns:p14="http://schemas.microsoft.com/office/powerpoint/2010/main" val="897283150"/>
+      </p:ext>
+    </p:extLst>
+  </p:cSld>
+  <p:clrMapOvr>
+    <a:masterClrMapping/>
+  </p:clrMapOvr>
+</p:sld>
+</file>
+
+<file path=ppt/slides/slide10.xml><?xml version="1.0" encoding="utf-8"?>
+<p:sld xmlns:a="http://schemas.openxmlformats.org/drawingml/2006/main" xmlns:r="http://schemas.openxmlformats.org/officeDocument/2006/relationships" xmlns:p="http://schemas.openxmlformats.org/presentationml/2006/main" showMasterSp="0">
+  <p:cSld>
+    <p:spTree>
+      <p:nvGrpSpPr>
+        <p:cNvPr id="1" name=""/>
+        <p:cNvGrpSpPr/>
+        <p:nvPr/>
+      </p:nvGrpSpPr>
+      <p:grpSpPr>
+        <a:xfrm>
+          <a:off x="0" y="0"/>
+          <a:ext cx="0" cy="0"/>
+          <a:chOff x="0" y="0"/>
+          <a:chExt cx="0" cy="0"/>
+        </a:xfrm>
+      </p:grpSpPr>
+      <p:sp>
+        <p:nvSpPr>
+          <p:cNvPr id="2" name="Slide Number Placeholder 1">
+            <a:extLst>
+              <a:ext uri="{FF2B5EF4-FFF2-40B4-BE49-F238E27FC236}">
+                <a16:creationId xmlns:a16="http://schemas.microsoft.com/office/drawing/2014/main" id="{659AAA58-80EC-4F33-B4DB-614E43294B92}"/>
+              </a:ext>
+            </a:extLst>
+          </p:cNvPr>
+          <p:cNvSpPr>
+            <a:spLocks noGrp="1"/>
+          </p:cNvSpPr>
+          <p:nvPr>
+            <p:ph type="sldNum" sz="quarter" idx="33"/>
+          </p:nvPr>
+        </p:nvSpPr>
+        <p:spPr/>
+        <p:txBody>
+          <a:bodyPr/>
+          <a:lstStyle/>
+          <a:p>
+            <a:fld id="{19B51A1E-902D-48AF-9020-955120F399B6}" type="slidenum">
+              <a:rPr lang="en-US" noProof="0" smtClean="0"/>
+              <a:pPr/>
+              <a:t>10</a:t>
+            </a:fld>
+            <a:endParaRPr lang="en-US" noProof="0" dirty="0"/>
+          </a:p>
+        </p:txBody>
+      </p:sp>
+      <p:sp>
+        <p:nvSpPr>
+          <p:cNvPr id="5" name="Title 4">
+            <a:extLst>
+              <a:ext uri="{FF2B5EF4-FFF2-40B4-BE49-F238E27FC236}">
+                <a16:creationId xmlns:a16="http://schemas.microsoft.com/office/drawing/2014/main" id="{CFB569E9-04AC-41B2-BEE1-4C7248B4EDF7}"/>
+              </a:ext>
+            </a:extLst>
+          </p:cNvPr>
+          <p:cNvSpPr>
+            <a:spLocks noGrp="1"/>
+          </p:cNvSpPr>
+          <p:nvPr>
+            <p:ph type="title"/>
+          </p:nvPr>
+        </p:nvSpPr>
+        <p:spPr/>
+        <p:txBody>
+          <a:bodyPr/>
+          <a:lstStyle/>
+          <a:p>
+            <a:r>
+              <a:rPr lang="en-US" dirty="0"/>
+              <a:t>Generative Adversarial Networks</a:t>
+            </a:r>
+            <a:endParaRPr lang="en-ZA" dirty="0"/>
+          </a:p>
+        </p:txBody>
+      </p:sp>
+      <p:sp>
+        <p:nvSpPr>
+          <p:cNvPr id="7" name="Content Placeholder 6">
+            <a:extLst>
+              <a:ext uri="{FF2B5EF4-FFF2-40B4-BE49-F238E27FC236}">
+                <a16:creationId xmlns:a16="http://schemas.microsoft.com/office/drawing/2014/main" id="{56F5CF3A-845E-49CC-B98A-FBDB775A7A5E}"/>
+              </a:ext>
+            </a:extLst>
+          </p:cNvPr>
+          <p:cNvSpPr>
+            <a:spLocks noGrp="1"/>
+          </p:cNvSpPr>
+          <p:nvPr>
+            <p:ph sz="half" idx="2"/>
+          </p:nvPr>
+        </p:nvSpPr>
+        <p:spPr/>
+        <p:txBody>
+          <a:bodyPr/>
+          <a:lstStyle/>
+          <a:p>
+            <a:endParaRPr lang="en-ZA"/>
+          </a:p>
+        </p:txBody>
+      </p:sp>
+      <p:pic>
+        <p:nvPicPr>
+          <p:cNvPr id="9" name="Content Placeholder 8">
+            <a:extLst>
+              <a:ext uri="{FF2B5EF4-FFF2-40B4-BE49-F238E27FC236}">
+                <a16:creationId xmlns:a16="http://schemas.microsoft.com/office/drawing/2014/main" id="{06FFEE6E-4536-42BE-83CB-EC3D83218F07}"/>
+              </a:ext>
+            </a:extLst>
+          </p:cNvPr>
+          <p:cNvPicPr>
+            <a:picLocks noGrp="1" noChangeAspect="1"/>
+          </p:cNvPicPr>
+          <p:nvPr>
+            <p:ph sz="half" idx="1"/>
+          </p:nvPr>
+        </p:nvPicPr>
+        <p:blipFill>
+          <a:blip r:embed="rId2"/>
+          <a:stretch>
+            <a:fillRect/>
+          </a:stretch>
+        </p:blipFill>
+        <p:spPr>
+          <a:xfrm>
+            <a:off x="431800" y="2368997"/>
+            <a:ext cx="5588000" cy="2447032"/>
+          </a:xfrm>
+          <a:prstGeom prst="rect">
+            <a:avLst/>
+          </a:prstGeom>
+        </p:spPr>
+      </p:pic>
+    </p:spTree>
+    <p:extLst>
+      <p:ext uri="{BB962C8B-B14F-4D97-AF65-F5344CB8AC3E}">
+        <p14:creationId xmlns:p14="http://schemas.microsoft.com/office/powerpoint/2010/main" val="2938058282"/>
+      </p:ext>
+    </p:extLst>
+  </p:cSld>
+  <p:clrMapOvr>
+    <a:masterClrMapping/>
+  </p:clrMapOvr>
+</p:sld>
+</file>
+
+<file path=ppt/slides/slide11.xml><?xml version="1.0" encoding="utf-8"?>
+<p:sld xmlns:a="http://schemas.openxmlformats.org/drawingml/2006/main" xmlns:r="http://schemas.openxmlformats.org/officeDocument/2006/relationships" xmlns:p="http://schemas.openxmlformats.org/presentationml/2006/main" showMasterSp="0">
+  <p:cSld>
+    <p:spTree>
+      <p:nvGrpSpPr>
+        <p:cNvPr id="1" name=""/>
+        <p:cNvGrpSpPr/>
+        <p:nvPr/>
+      </p:nvGrpSpPr>
+      <p:grpSpPr>
+        <a:xfrm>
+          <a:off x="0" y="0"/>
+          <a:ext cx="0" cy="0"/>
+          <a:chOff x="0" y="0"/>
+          <a:chExt cx="0" cy="0"/>
+        </a:xfrm>
+      </p:grpSpPr>
+      <p:sp>
+        <p:nvSpPr>
+          <p:cNvPr id="2" name="Slide Number Placeholder 1">
+            <a:extLst>
+              <a:ext uri="{FF2B5EF4-FFF2-40B4-BE49-F238E27FC236}">
+                <a16:creationId xmlns:a16="http://schemas.microsoft.com/office/drawing/2014/main" id="{659AAA58-80EC-4F33-B4DB-614E43294B92}"/>
+              </a:ext>
+            </a:extLst>
+          </p:cNvPr>
+          <p:cNvSpPr>
+            <a:spLocks noGrp="1"/>
+          </p:cNvSpPr>
+          <p:nvPr>
+            <p:ph type="sldNum" sz="quarter" idx="33"/>
+          </p:nvPr>
+        </p:nvSpPr>
+        <p:spPr/>
+        <p:txBody>
+          <a:bodyPr/>
+          <a:lstStyle/>
+          <a:p>
+            <a:fld id="{19B51A1E-902D-48AF-9020-955120F399B6}" type="slidenum">
+              <a:rPr lang="en-US" noProof="0" smtClean="0"/>
+              <a:pPr/>
+              <a:t>11</a:t>
+            </a:fld>
+            <a:endParaRPr lang="en-US" noProof="0" dirty="0"/>
+          </a:p>
+        </p:txBody>
+      </p:sp>
+      <p:sp>
+        <p:nvSpPr>
+          <p:cNvPr id="5" name="Title 4">
+            <a:extLst>
+              <a:ext uri="{FF2B5EF4-FFF2-40B4-BE49-F238E27FC236}">
+                <a16:creationId xmlns:a16="http://schemas.microsoft.com/office/drawing/2014/main" id="{CFB569E9-04AC-41B2-BEE1-4C7248B4EDF7}"/>
+              </a:ext>
+            </a:extLst>
+          </p:cNvPr>
+          <p:cNvSpPr>
+            <a:spLocks noGrp="1"/>
+          </p:cNvSpPr>
+          <p:nvPr>
+            <p:ph type="title"/>
+          </p:nvPr>
+        </p:nvSpPr>
+        <p:spPr/>
+        <p:txBody>
+          <a:bodyPr/>
+          <a:lstStyle/>
+          <a:p>
+            <a:r>
+              <a:rPr lang="en-US" dirty="0"/>
+              <a:t>Adversarial Autoencoders</a:t>
+            </a:r>
+            <a:endParaRPr lang="en-ZA" dirty="0"/>
+          </a:p>
+        </p:txBody>
+      </p:sp>
+      <p:sp>
+        <p:nvSpPr>
+          <p:cNvPr id="7" name="Content Placeholder 6">
+            <a:extLst>
+              <a:ext uri="{FF2B5EF4-FFF2-40B4-BE49-F238E27FC236}">
+                <a16:creationId xmlns:a16="http://schemas.microsoft.com/office/drawing/2014/main" id="{56F5CF3A-845E-49CC-B98A-FBDB775A7A5E}"/>
+              </a:ext>
+            </a:extLst>
+          </p:cNvPr>
+          <p:cNvSpPr>
+            <a:spLocks noGrp="1"/>
+          </p:cNvSpPr>
+          <p:nvPr>
+            <p:ph sz="half" idx="2"/>
+          </p:nvPr>
+        </p:nvSpPr>
+        <p:spPr/>
+        <p:txBody>
+          <a:bodyPr/>
+          <a:lstStyle/>
+          <a:p>
+            <a:endParaRPr lang="en-ZA"/>
+          </a:p>
+        </p:txBody>
+      </p:sp>
+      <p:pic>
+        <p:nvPicPr>
+          <p:cNvPr id="6" name="Content Placeholder 5">
+            <a:extLst>
+              <a:ext uri="{FF2B5EF4-FFF2-40B4-BE49-F238E27FC236}">
+                <a16:creationId xmlns:a16="http://schemas.microsoft.com/office/drawing/2014/main" id="{FC84902B-5889-4913-9AB7-80919B2EE8C5}"/>
+              </a:ext>
+            </a:extLst>
+          </p:cNvPr>
+          <p:cNvPicPr>
+            <a:picLocks noGrp="1" noChangeAspect="1"/>
+          </p:cNvPicPr>
+          <p:nvPr>
+            <p:ph sz="half" idx="1"/>
+          </p:nvPr>
+        </p:nvPicPr>
+        <p:blipFill>
+          <a:blip r:embed="rId2"/>
+          <a:stretch>
+            <a:fillRect/>
+          </a:stretch>
+        </p:blipFill>
+        <p:spPr>
+          <a:xfrm>
+            <a:off x="431800" y="1865547"/>
+            <a:ext cx="5588000" cy="3453932"/>
+          </a:xfrm>
+          <a:prstGeom prst="rect">
+            <a:avLst/>
+          </a:prstGeom>
+        </p:spPr>
+      </p:pic>
+    </p:spTree>
+    <p:extLst>
+      <p:ext uri="{BB962C8B-B14F-4D97-AF65-F5344CB8AC3E}">
+        <p14:creationId xmlns:p14="http://schemas.microsoft.com/office/powerpoint/2010/main" val="2380235362"/>
+      </p:ext>
+    </p:extLst>
+  </p:cSld>
+  <p:clrMapOvr>
+    <a:masterClrMapping/>
+  </p:clrMapOvr>
+</p:sld>
+</file>
+
+<file path=ppt/slides/slide12.xml><?xml version="1.0" encoding="utf-8"?>
+<p:sld xmlns:a="http://schemas.openxmlformats.org/drawingml/2006/main" xmlns:r="http://schemas.openxmlformats.org/officeDocument/2006/relationships" xmlns:p="http://schemas.openxmlformats.org/presentationml/2006/main" showMasterSp="0">
+  <p:cSld>
+    <p:spTree>
+      <p:nvGrpSpPr>
+        <p:cNvPr id="1" name=""/>
+        <p:cNvGrpSpPr/>
+        <p:nvPr/>
+      </p:nvGrpSpPr>
+      <p:grpSpPr>
+        <a:xfrm>
+          <a:off x="0" y="0"/>
+          <a:ext cx="0" cy="0"/>
+          <a:chOff x="0" y="0"/>
+          <a:chExt cx="0" cy="0"/>
+        </a:xfrm>
+      </p:grpSpPr>
+      <p:sp>
+        <p:nvSpPr>
+          <p:cNvPr id="2" name="Slide Number Placeholder 1">
+            <a:extLst>
+              <a:ext uri="{FF2B5EF4-FFF2-40B4-BE49-F238E27FC236}">
+                <a16:creationId xmlns:a16="http://schemas.microsoft.com/office/drawing/2014/main" id="{A1B0236B-90BF-447A-A536-736068B0A240}"/>
+              </a:ext>
+            </a:extLst>
+          </p:cNvPr>
+          <p:cNvSpPr>
+            <a:spLocks noGrp="1"/>
+          </p:cNvSpPr>
+          <p:nvPr>
+            <p:ph type="sldNum" sz="quarter" idx="33"/>
+          </p:nvPr>
+        </p:nvSpPr>
+        <p:spPr/>
+        <p:txBody>
+          <a:bodyPr/>
+          <a:lstStyle/>
+          <a:p>
+            <a:fld id="{19B51A1E-902D-48AF-9020-955120F399B6}" type="slidenum">
+              <a:rPr lang="en-US" noProof="0" smtClean="0"/>
+              <a:pPr/>
+              <a:t>12</a:t>
+            </a:fld>
+            <a:endParaRPr lang="en-US" noProof="0" dirty="0"/>
+          </a:p>
+        </p:txBody>
+      </p:sp>
+      <p:sp>
+        <p:nvSpPr>
+          <p:cNvPr id="3" name="Title 2">
+            <a:extLst>
+              <a:ext uri="{FF2B5EF4-FFF2-40B4-BE49-F238E27FC236}">
+                <a16:creationId xmlns:a16="http://schemas.microsoft.com/office/drawing/2014/main" id="{62813C30-67EF-4D51-96A2-C52340739FB3}"/>
+              </a:ext>
+            </a:extLst>
+          </p:cNvPr>
+          <p:cNvSpPr>
+            <a:spLocks noGrp="1"/>
+          </p:cNvSpPr>
+          <p:nvPr>
+            <p:ph type="title"/>
+          </p:nvPr>
+        </p:nvSpPr>
+        <p:spPr/>
+        <p:txBody>
+          <a:bodyPr/>
+          <a:lstStyle/>
+          <a:p>
+            <a:r>
+              <a:rPr lang="en-US" dirty="0"/>
+              <a:t>Conclusions</a:t>
+            </a:r>
+            <a:endParaRPr lang="en-ZA" dirty="0"/>
+          </a:p>
+        </p:txBody>
+      </p:sp>
+      <p:sp>
+        <p:nvSpPr>
+          <p:cNvPr id="4" name="Content Placeholder 3">
+            <a:extLst>
+              <a:ext uri="{FF2B5EF4-FFF2-40B4-BE49-F238E27FC236}">
+                <a16:creationId xmlns:a16="http://schemas.microsoft.com/office/drawing/2014/main" id="{C9724E42-C749-4A2B-A895-CB3F3B57B4F5}"/>
+              </a:ext>
+            </a:extLst>
+          </p:cNvPr>
+          <p:cNvSpPr>
+            <a:spLocks noGrp="1"/>
+          </p:cNvSpPr>
+          <p:nvPr>
+            <p:ph idx="34"/>
+          </p:nvPr>
+        </p:nvSpPr>
+        <p:spPr/>
+        <p:txBody>
+          <a:bodyPr/>
+          <a:lstStyle/>
+          <a:p>
+            <a:r>
+              <a:rPr lang="en-US" dirty="0"/>
+              <a:t>PID with CNNs:</a:t>
+            </a:r>
+          </a:p>
+          <a:p>
+            <a:pPr lvl="1"/>
+            <a:r>
+              <a:rPr lang="en-US" dirty="0"/>
+              <a:t>caveat: uncalibrated raw data </a:t>
+            </a:r>
+          </a:p>
+          <a:p>
+            <a:pPr lvl="1"/>
+            <a:r>
+              <a:rPr lang="en-US" dirty="0"/>
+              <a:t>reasonable performance </a:t>
+            </a:r>
+          </a:p>
+          <a:p>
+            <a:r>
+              <a:rPr lang="en-US" dirty="0"/>
+              <a:t>data/MC discrimination with CNNs</a:t>
+            </a:r>
+          </a:p>
+          <a:p>
+            <a:pPr lvl="1"/>
+            <a:r>
+              <a:rPr lang="en-US" dirty="0"/>
+              <a:t>very easy to discriminate data from MC with CNNs </a:t>
+            </a:r>
+          </a:p>
+          <a:p>
+            <a:pPr lvl="1"/>
+            <a:r>
+              <a:rPr lang="en-US" dirty="0"/>
+              <a:t>possibility to use CNNs for tuning of MC </a:t>
+            </a:r>
+          </a:p>
+          <a:p>
+            <a:pPr lvl="1"/>
+            <a:r>
+              <a:rPr lang="en-US" dirty="0"/>
+              <a:t>further work needed </a:t>
+            </a:r>
+          </a:p>
+          <a:p>
+            <a:r>
+              <a:rPr lang="en-US" dirty="0"/>
+              <a:t>generative models</a:t>
+            </a:r>
+          </a:p>
+          <a:p>
+            <a:pPr lvl="1"/>
+            <a:r>
+              <a:rPr lang="en-US" dirty="0"/>
+              <a:t>difficult to train, but high potential for fast simulation </a:t>
+            </a:r>
+          </a:p>
+          <a:p>
+            <a:pPr lvl="1"/>
+            <a:r>
+              <a:rPr lang="en-US" dirty="0"/>
+              <a:t>promising first results </a:t>
+            </a:r>
+          </a:p>
+        </p:txBody>
+      </p:sp>
+    </p:spTree>
+    <p:extLst>
+      <p:ext uri="{BB962C8B-B14F-4D97-AF65-F5344CB8AC3E}">
+        <p14:creationId xmlns:p14="http://schemas.microsoft.com/office/powerpoint/2010/main" val="2903982106"/>
       </p:ext>
     </p:extLst>
   </p:cSld>
@@ -12746,37 +13222,12 @@
           <a:chExt cx="0" cy="0"/>
         </a:xfrm>
       </p:grpSpPr>
-      <p:pic>
-        <p:nvPicPr>
-          <p:cNvPr id="17" name="Picture Placeholder 16" descr="A close up of a flower&#10;&#10;Description automatically generated">
-            <a:extLst>
-              <a:ext uri="{FF2B5EF4-FFF2-40B4-BE49-F238E27FC236}">
-                <a16:creationId xmlns:a16="http://schemas.microsoft.com/office/drawing/2014/main" id="{18D9B57A-1B8D-4D49-9010-A65C69AD51D2}"/>
-              </a:ext>
-            </a:extLst>
-          </p:cNvPr>
-          <p:cNvPicPr>
-            <a:picLocks noGrp="1" noChangeAspect="1"/>
-          </p:cNvPicPr>
-          <p:nvPr>
-            <p:ph type="pic" sz="quarter" idx="13"/>
-          </p:nvPr>
-        </p:nvPicPr>
-        <p:blipFill>
-          <a:blip r:embed="rId2"/>
-          <a:srcRect t="32448" b="32448"/>
-          <a:stretch>
-            <a:fillRect/>
-          </a:stretch>
-        </p:blipFill>
-        <p:spPr/>
-      </p:pic>
-      <p:sp>
-        <p:nvSpPr>
-          <p:cNvPr id="3" name="Title 2">
-            <a:extLst>
-              <a:ext uri="{FF2B5EF4-FFF2-40B4-BE49-F238E27FC236}">
-                <a16:creationId xmlns:a16="http://schemas.microsoft.com/office/drawing/2014/main" id="{D685A792-87BD-4399-8C1F-E4D748740277}"/>
+      <p:sp>
+        <p:nvSpPr>
+          <p:cNvPr id="2" name="Slide Number Placeholder 1">
+            <a:extLst>
+              <a:ext uri="{FF2B5EF4-FFF2-40B4-BE49-F238E27FC236}">
+                <a16:creationId xmlns:a16="http://schemas.microsoft.com/office/drawing/2014/main" id="{DEB85519-BD6C-4259-9EA1-0D3BEF1040A4}"/>
               </a:ext>
             </a:extLst>
           </p:cNvPr>
@@ -12784,128 +13235,7 @@
             <a:spLocks noGrp="1"/>
           </p:cNvSpPr>
           <p:nvPr>
-            <p:ph type="ctrTitle"/>
-          </p:nvPr>
-        </p:nvSpPr>
-        <p:spPr/>
-        <p:txBody>
-          <a:bodyPr/>
-          <a:lstStyle/>
-          <a:p>
-            <a:r>
-              <a:rPr lang="en-US" dirty="0"/>
-              <a:t>GEANT4 vs Real Data</a:t>
-            </a:r>
-            <a:endParaRPr lang="en-ZA" dirty="0"/>
-          </a:p>
-        </p:txBody>
-      </p:sp>
-      <p:sp>
-        <p:nvSpPr>
-          <p:cNvPr id="4" name="Subtitle 3">
-            <a:extLst>
-              <a:ext uri="{FF2B5EF4-FFF2-40B4-BE49-F238E27FC236}">
-                <a16:creationId xmlns:a16="http://schemas.microsoft.com/office/drawing/2014/main" id="{88D3EA9E-0795-4A1C-A2E4-C9B36B079ED8}"/>
-              </a:ext>
-            </a:extLst>
-          </p:cNvPr>
-          <p:cNvSpPr>
-            <a:spLocks noGrp="1"/>
-          </p:cNvSpPr>
-          <p:nvPr>
-            <p:ph type="subTitle" idx="1"/>
-          </p:nvPr>
-        </p:nvSpPr>
-        <p:spPr>
-          <a:xfrm>
-            <a:off x="779099" y="4623212"/>
-            <a:ext cx="4416587" cy="1883096"/>
-          </a:xfrm>
-        </p:spPr>
-        <p:txBody>
-          <a:bodyPr/>
-          <a:lstStyle/>
-          <a:p>
-            <a:r>
-              <a:rPr lang="en-US" b="1" dirty="0">
-                <a:solidFill>
-                  <a:schemeClr val="accent3">
-                    <a:lumMod val="60000"/>
-                    <a:lumOff val="40000"/>
-                  </a:schemeClr>
-                </a:solidFill>
-              </a:rPr>
-              <a:t>Geant4 simulations: pions </a:t>
-            </a:r>
-            <a:r>
-              <a:rPr lang="en-US" b="1" dirty="0">
-                <a:solidFill>
-                  <a:schemeClr val="bg1"/>
-                </a:solidFill>
-              </a:rPr>
-              <a:t>configured with environmental parameters from LHCq16/000265343</a:t>
-            </a:r>
-          </a:p>
-          <a:p>
-            <a:r>
-              <a:rPr lang="en-US" b="1" dirty="0">
-                <a:solidFill>
-                  <a:schemeClr val="bg1"/>
-                </a:solidFill>
-              </a:rPr>
-              <a:t>Assessed against </a:t>
-            </a:r>
-            <a:r>
-              <a:rPr lang="en-US" b="1" dirty="0">
-                <a:solidFill>
-                  <a:schemeClr val="accent3">
-                    <a:lumMod val="60000"/>
-                    <a:lumOff val="40000"/>
-                  </a:schemeClr>
-                </a:solidFill>
-              </a:rPr>
-              <a:t>real TRD data from pions</a:t>
-            </a:r>
-            <a:r>
-              <a:rPr lang="en-US" b="1" dirty="0">
-                <a:solidFill>
-                  <a:schemeClr val="bg1"/>
-                </a:solidFill>
-              </a:rPr>
-              <a:t>:</a:t>
-            </a:r>
-          </a:p>
-          <a:p>
-            <a:r>
-              <a:rPr lang="en-US" b="1" dirty="0">
-                <a:solidFill>
-                  <a:schemeClr val="bg1"/>
-                </a:solidFill>
-              </a:rPr>
-              <a:t>LHCq16/000265343</a:t>
-            </a:r>
-            <a:endParaRPr lang="en-ZA" b="1" dirty="0">
-              <a:solidFill>
-                <a:schemeClr val="bg1"/>
-              </a:solidFill>
-            </a:endParaRPr>
-          </a:p>
-        </p:txBody>
-      </p:sp>
-      <p:sp>
-        <p:nvSpPr>
-          <p:cNvPr id="5" name="Slide Number Placeholder 4">
-            <a:extLst>
-              <a:ext uri="{FF2B5EF4-FFF2-40B4-BE49-F238E27FC236}">
-                <a16:creationId xmlns:a16="http://schemas.microsoft.com/office/drawing/2014/main" id="{BFAFA710-E76F-46A5-B9ED-8F914C510623}"/>
-              </a:ext>
-            </a:extLst>
-          </p:cNvPr>
-          <p:cNvSpPr>
-            <a:spLocks noGrp="1"/>
-          </p:cNvSpPr>
-          <p:nvPr>
-            <p:ph type="sldNum" sz="quarter" idx="14"/>
+            <p:ph type="sldNum" sz="quarter" idx="33"/>
           </p:nvPr>
         </p:nvSpPr>
         <p:spPr/>
@@ -12922,16 +13252,1136 @@
           </a:p>
         </p:txBody>
       </p:sp>
+      <mc:AlternateContent xmlns:mc="http://schemas.openxmlformats.org/markup-compatibility/2006">
+        <mc:Choice xmlns:a14="http://schemas.microsoft.com/office/drawing/2010/main" Requires="a14">
+          <p:sp>
+            <p:nvSpPr>
+              <p:cNvPr id="3" name="Title 2">
+                <a:extLst>
+                  <a:ext uri="{FF2B5EF4-FFF2-40B4-BE49-F238E27FC236}">
+                    <a16:creationId xmlns:a16="http://schemas.microsoft.com/office/drawing/2014/main" id="{640EFCEC-E370-4EF4-B5A8-145FB8352F57}"/>
+                  </a:ext>
+                </a:extLst>
+              </p:cNvPr>
+              <p:cNvSpPr>
+                <a:spLocks noGrp="1"/>
+              </p:cNvSpPr>
+              <p:nvPr>
+                <p:ph type="title"/>
+              </p:nvPr>
+            </p:nvSpPr>
+            <p:spPr/>
+            <p:txBody>
+              <a:bodyPr/>
+              <a:lstStyle/>
+              <a:p>
+                <a:r>
+                  <a:rPr lang="en-US" dirty="0"/>
+                  <a:t>Particle Identification: </a:t>
+                </a:r>
+                <a14:m>
+                  <m:oMath xmlns:m="http://schemas.openxmlformats.org/officeDocument/2006/math">
+                    <m:r>
+                      <a:rPr lang="en-US" b="0" i="1" smtClean="0">
+                        <a:latin typeface="Cambria Math" panose="02040503050406030204" pitchFamily="18" charset="0"/>
+                      </a:rPr>
+                      <m:t>𝑒</m:t>
+                    </m:r>
+                    <m:r>
+                      <a:rPr lang="en-US" b="0" i="1" smtClean="0">
+                        <a:latin typeface="Cambria Math" panose="02040503050406030204" pitchFamily="18" charset="0"/>
+                      </a:rPr>
+                      <m:t> </m:t>
+                    </m:r>
+                    <m:r>
+                      <a:rPr lang="en-US" b="0" i="1" smtClean="0">
+                        <a:latin typeface="Cambria Math" panose="02040503050406030204" pitchFamily="18" charset="0"/>
+                      </a:rPr>
+                      <m:t>𝑣𝑠</m:t>
+                    </m:r>
+                    <m:r>
+                      <a:rPr lang="en-US" b="0" i="1" smtClean="0">
+                        <a:latin typeface="Cambria Math" panose="02040503050406030204" pitchFamily="18" charset="0"/>
+                      </a:rPr>
+                      <m:t> </m:t>
+                    </m:r>
+                    <m:r>
+                      <a:rPr lang="en-US" b="0" i="1" smtClean="0">
+                        <a:latin typeface="Cambria Math" panose="02040503050406030204" pitchFamily="18" charset="0"/>
+                        <a:ea typeface="Cambria Math" panose="02040503050406030204" pitchFamily="18" charset="0"/>
+                      </a:rPr>
+                      <m:t>𝜋</m:t>
+                    </m:r>
+                  </m:oMath>
+                </a14:m>
+                <a:endParaRPr lang="en-ZA" dirty="0"/>
+              </a:p>
+            </p:txBody>
+          </p:sp>
+        </mc:Choice>
+        <mc:Fallback>
+          <p:sp>
+            <p:nvSpPr>
+              <p:cNvPr id="3" name="Title 2">
+                <a:extLst>
+                  <a:ext uri="{FF2B5EF4-FFF2-40B4-BE49-F238E27FC236}">
+                    <a16:creationId xmlns:a16="http://schemas.microsoft.com/office/drawing/2014/main" id="{640EFCEC-E370-4EF4-B5A8-145FB8352F57}"/>
+                  </a:ext>
+                </a:extLst>
+              </p:cNvPr>
+              <p:cNvSpPr>
+                <a:spLocks noGrp="1" noRot="1" noChangeAspect="1" noMove="1" noResize="1" noEditPoints="1" noAdjustHandles="1" noChangeArrowheads="1" noChangeShapeType="1" noTextEdit="1"/>
+              </p:cNvSpPr>
+              <p:nvPr>
+                <p:ph type="title"/>
+              </p:nvPr>
+            </p:nvSpPr>
+            <p:spPr>
+              <a:blipFill>
+                <a:blip r:embed="rId2"/>
+                <a:stretch>
+                  <a:fillRect l="-2204" t="-42254" b="-56338"/>
+                </a:stretch>
+              </a:blipFill>
+            </p:spPr>
+            <p:txBody>
+              <a:bodyPr/>
+              <a:lstStyle/>
+              <a:p>
+                <a:r>
+                  <a:rPr lang="en-ZA">
+                    <a:noFill/>
+                  </a:rPr>
+                  <a:t> </a:t>
+                </a:r>
+              </a:p>
+            </p:txBody>
+          </p:sp>
+        </mc:Fallback>
+      </mc:AlternateContent>
+      <p:pic>
+        <p:nvPicPr>
+          <p:cNvPr id="5" name="Content Placeholder 4">
+            <a:extLst>
+              <a:ext uri="{FF2B5EF4-FFF2-40B4-BE49-F238E27FC236}">
+                <a16:creationId xmlns:a16="http://schemas.microsoft.com/office/drawing/2014/main" id="{AA1321C3-F5F8-4338-874A-017E665D35CC}"/>
+              </a:ext>
+            </a:extLst>
+          </p:cNvPr>
+          <p:cNvPicPr>
+            <a:picLocks noGrp="1" noChangeAspect="1"/>
+          </p:cNvPicPr>
+          <p:nvPr>
+            <p:ph idx="34"/>
+          </p:nvPr>
+        </p:nvPicPr>
+        <p:blipFill>
+          <a:blip r:embed="rId3"/>
+          <a:stretch>
+            <a:fillRect/>
+          </a:stretch>
+        </p:blipFill>
+        <p:spPr>
+          <a:xfrm>
+            <a:off x="980778" y="1453663"/>
+            <a:ext cx="10350313" cy="4032738"/>
+          </a:xfrm>
+          <a:prstGeom prst="rect">
+            <a:avLst/>
+          </a:prstGeom>
+        </p:spPr>
+      </p:pic>
+      <p:pic>
+        <p:nvPicPr>
+          <p:cNvPr id="6" name="Picture 5">
+            <a:extLst>
+              <a:ext uri="{FF2B5EF4-FFF2-40B4-BE49-F238E27FC236}">
+                <a16:creationId xmlns:a16="http://schemas.microsoft.com/office/drawing/2014/main" id="{25772CF9-08D2-42A4-8DEA-7DAA39CE2996}"/>
+              </a:ext>
+            </a:extLst>
+          </p:cNvPr>
+          <p:cNvPicPr>
+            <a:picLocks noChangeAspect="1"/>
+          </p:cNvPicPr>
+          <p:nvPr/>
+        </p:nvPicPr>
+        <p:blipFill>
+          <a:blip r:embed="rId4"/>
+          <a:stretch>
+            <a:fillRect/>
+          </a:stretch>
+        </p:blipFill>
+        <p:spPr>
+          <a:xfrm>
+            <a:off x="1266092" y="568870"/>
+            <a:ext cx="9190894" cy="5380466"/>
+          </a:xfrm>
+          <a:prstGeom prst="rect">
+            <a:avLst/>
+          </a:prstGeom>
+        </p:spPr>
+      </p:pic>
+      <p:pic>
+        <p:nvPicPr>
+          <p:cNvPr id="9" name="Picture 8">
+            <a:extLst>
+              <a:ext uri="{FF2B5EF4-FFF2-40B4-BE49-F238E27FC236}">
+                <a16:creationId xmlns:a16="http://schemas.microsoft.com/office/drawing/2014/main" id="{5AC497E2-AE16-408E-AB50-4AB7538A1527}"/>
+              </a:ext>
+            </a:extLst>
+          </p:cNvPr>
+          <p:cNvPicPr>
+            <a:picLocks noChangeAspect="1"/>
+          </p:cNvPicPr>
+          <p:nvPr/>
+        </p:nvPicPr>
+        <p:blipFill>
+          <a:blip r:embed="rId5"/>
+          <a:stretch>
+            <a:fillRect/>
+          </a:stretch>
+        </p:blipFill>
+        <p:spPr>
+          <a:xfrm>
+            <a:off x="2615612" y="432000"/>
+            <a:ext cx="6728176" cy="5793707"/>
+          </a:xfrm>
+          <a:prstGeom prst="rect">
+            <a:avLst/>
+          </a:prstGeom>
+        </p:spPr>
+      </p:pic>
+      <mc:AlternateContent xmlns:mc="http://schemas.openxmlformats.org/markup-compatibility/2006">
+        <mc:Choice xmlns:a14="http://schemas.microsoft.com/office/drawing/2010/main" Requires="a14">
+          <p:sp>
+            <p:nvSpPr>
+              <p:cNvPr id="10" name="TextBox 9">
+                <a:extLst>
+                  <a:ext uri="{FF2B5EF4-FFF2-40B4-BE49-F238E27FC236}">
+                    <a16:creationId xmlns:a16="http://schemas.microsoft.com/office/drawing/2014/main" id="{AFB1F409-E4F9-4D02-A3A6-0E07F17FE987}"/>
+                  </a:ext>
+                </a:extLst>
+              </p:cNvPr>
+              <p:cNvSpPr txBox="1"/>
+              <p:nvPr/>
+            </p:nvSpPr>
+            <p:spPr>
+              <a:xfrm>
+                <a:off x="3810000" y="1535834"/>
+                <a:ext cx="2051539" cy="369332"/>
+              </a:xfrm>
+              <a:prstGeom prst="rect">
+                <a:avLst/>
+              </a:prstGeom>
+              <a:noFill/>
+            </p:spPr>
+            <p:txBody>
+              <a:bodyPr wrap="square" rtlCol="0">
+                <a:spAutoFit/>
+              </a:bodyPr>
+              <a:lstStyle/>
+              <a:p>
+                <a14:m>
+                  <m:oMathPara xmlns:m="http://schemas.openxmlformats.org/officeDocument/2006/math">
+                    <m:oMathParaPr>
+                      <m:jc m:val="centerGroup"/>
+                    </m:oMathParaPr>
+                    <m:oMath xmlns:m="http://schemas.openxmlformats.org/officeDocument/2006/math">
+                      <m:sSub>
+                        <m:sSubPr>
+                          <m:ctrlPr>
+                            <a:rPr lang="en-ZA" i="1" smtClean="0">
+                              <a:latin typeface="Cambria Math" panose="02040503050406030204" pitchFamily="18" charset="0"/>
+                            </a:rPr>
+                          </m:ctrlPr>
+                        </m:sSubPr>
+                        <m:e>
+                          <m:r>
+                            <a:rPr lang="en-ZA" i="1" smtClean="0">
+                              <a:latin typeface="Cambria Math" panose="02040503050406030204" pitchFamily="18" charset="0"/>
+                              <a:ea typeface="Cambria Math" panose="02040503050406030204" pitchFamily="18" charset="0"/>
+                            </a:rPr>
+                            <m:t>𝜀</m:t>
+                          </m:r>
+                        </m:e>
+                        <m:sub>
+                          <m:r>
+                            <a:rPr lang="en-ZA" i="1" smtClean="0">
+                              <a:latin typeface="Cambria Math" panose="02040503050406030204" pitchFamily="18" charset="0"/>
+                              <a:ea typeface="Cambria Math" panose="02040503050406030204" pitchFamily="18" charset="0"/>
+                            </a:rPr>
+                            <m:t>𝜋</m:t>
+                          </m:r>
+                        </m:sub>
+                      </m:sSub>
+                      <m:r>
+                        <a:rPr lang="en-US" b="0" i="1" smtClean="0">
+                          <a:latin typeface="Cambria Math" panose="02040503050406030204" pitchFamily="18" charset="0"/>
+                        </a:rPr>
+                        <m:t>=6.55%</m:t>
+                      </m:r>
+                    </m:oMath>
+                  </m:oMathPara>
+                </a14:m>
+                <a:endParaRPr lang="en-ZA" dirty="0"/>
+              </a:p>
+            </p:txBody>
+          </p:sp>
+        </mc:Choice>
+        <mc:Fallback>
+          <p:sp>
+            <p:nvSpPr>
+              <p:cNvPr id="10" name="TextBox 9">
+                <a:extLst>
+                  <a:ext uri="{FF2B5EF4-FFF2-40B4-BE49-F238E27FC236}">
+                    <a16:creationId xmlns:a16="http://schemas.microsoft.com/office/drawing/2014/main" id="{AFB1F409-E4F9-4D02-A3A6-0E07F17FE987}"/>
+                  </a:ext>
+                </a:extLst>
+              </p:cNvPr>
+              <p:cNvSpPr txBox="1">
+                <a:spLocks noRot="1" noChangeAspect="1" noMove="1" noResize="1" noEditPoints="1" noAdjustHandles="1" noChangeArrowheads="1" noChangeShapeType="1" noTextEdit="1"/>
+              </p:cNvSpPr>
+              <p:nvPr/>
+            </p:nvSpPr>
+            <p:spPr>
+              <a:xfrm>
+                <a:off x="3810000" y="1535834"/>
+                <a:ext cx="2051539" cy="369332"/>
+              </a:xfrm>
+              <a:prstGeom prst="rect">
+                <a:avLst/>
+              </a:prstGeom>
+              <a:blipFill>
+                <a:blip r:embed="rId6"/>
+                <a:stretch>
+                  <a:fillRect/>
+                </a:stretch>
+              </a:blipFill>
+            </p:spPr>
+            <p:txBody>
+              <a:bodyPr/>
+              <a:lstStyle/>
+              <a:p>
+                <a:r>
+                  <a:rPr lang="en-ZA">
+                    <a:noFill/>
+                  </a:rPr>
+                  <a:t> </a:t>
+                </a:r>
+              </a:p>
+            </p:txBody>
+          </p:sp>
+        </mc:Fallback>
+      </mc:AlternateContent>
+      <mc:AlternateContent xmlns:mc="http://schemas.openxmlformats.org/markup-compatibility/2006">
+        <mc:Choice xmlns:a14="http://schemas.microsoft.com/office/drawing/2010/main" Requires="a14">
+          <p:sp>
+            <p:nvSpPr>
+              <p:cNvPr id="11" name="TextBox 10">
+                <a:extLst>
+                  <a:ext uri="{FF2B5EF4-FFF2-40B4-BE49-F238E27FC236}">
+                    <a16:creationId xmlns:a16="http://schemas.microsoft.com/office/drawing/2014/main" id="{74E81458-1FC4-4BB9-9854-0F29959FE3D6}"/>
+                  </a:ext>
+                </a:extLst>
+              </p:cNvPr>
+              <p:cNvSpPr txBox="1"/>
+              <p:nvPr/>
+            </p:nvSpPr>
+            <p:spPr>
+              <a:xfrm>
+                <a:off x="6823079" y="1535834"/>
+                <a:ext cx="2051539" cy="369332"/>
+              </a:xfrm>
+              <a:prstGeom prst="rect">
+                <a:avLst/>
+              </a:prstGeom>
+              <a:noFill/>
+            </p:spPr>
+            <p:txBody>
+              <a:bodyPr wrap="square" rtlCol="0">
+                <a:spAutoFit/>
+              </a:bodyPr>
+              <a:lstStyle/>
+              <a:p>
+                <a14:m>
+                  <m:oMathPara xmlns:m="http://schemas.openxmlformats.org/officeDocument/2006/math">
+                    <m:oMathParaPr>
+                      <m:jc m:val="centerGroup"/>
+                    </m:oMathParaPr>
+                    <m:oMath xmlns:m="http://schemas.openxmlformats.org/officeDocument/2006/math">
+                      <m:sSub>
+                        <m:sSubPr>
+                          <m:ctrlPr>
+                            <a:rPr lang="en-ZA" i="1" smtClean="0">
+                              <a:latin typeface="Cambria Math" panose="02040503050406030204" pitchFamily="18" charset="0"/>
+                            </a:rPr>
+                          </m:ctrlPr>
+                        </m:sSubPr>
+                        <m:e>
+                          <m:r>
+                            <a:rPr lang="en-ZA" i="1" smtClean="0">
+                              <a:latin typeface="Cambria Math" panose="02040503050406030204" pitchFamily="18" charset="0"/>
+                              <a:ea typeface="Cambria Math" panose="02040503050406030204" pitchFamily="18" charset="0"/>
+                            </a:rPr>
+                            <m:t>𝜀</m:t>
+                          </m:r>
+                        </m:e>
+                        <m:sub>
+                          <m:r>
+                            <a:rPr lang="en-ZA" i="1" smtClean="0">
+                              <a:latin typeface="Cambria Math" panose="02040503050406030204" pitchFamily="18" charset="0"/>
+                              <a:ea typeface="Cambria Math" panose="02040503050406030204" pitchFamily="18" charset="0"/>
+                            </a:rPr>
+                            <m:t>𝜋</m:t>
+                          </m:r>
+                        </m:sub>
+                      </m:sSub>
+                      <m:r>
+                        <a:rPr lang="en-US" b="0" i="1" smtClean="0">
+                          <a:latin typeface="Cambria Math" panose="02040503050406030204" pitchFamily="18" charset="0"/>
+                        </a:rPr>
+                        <m:t>=2.20%</m:t>
+                      </m:r>
+                    </m:oMath>
+                  </m:oMathPara>
+                </a14:m>
+                <a:endParaRPr lang="en-ZA" dirty="0"/>
+              </a:p>
+            </p:txBody>
+          </p:sp>
+        </mc:Choice>
+        <mc:Fallback>
+          <p:sp>
+            <p:nvSpPr>
+              <p:cNvPr id="11" name="TextBox 10">
+                <a:extLst>
+                  <a:ext uri="{FF2B5EF4-FFF2-40B4-BE49-F238E27FC236}">
+                    <a16:creationId xmlns:a16="http://schemas.microsoft.com/office/drawing/2014/main" id="{74E81458-1FC4-4BB9-9854-0F29959FE3D6}"/>
+                  </a:ext>
+                </a:extLst>
+              </p:cNvPr>
+              <p:cNvSpPr txBox="1">
+                <a:spLocks noRot="1" noChangeAspect="1" noMove="1" noResize="1" noEditPoints="1" noAdjustHandles="1" noChangeArrowheads="1" noChangeShapeType="1" noTextEdit="1"/>
+              </p:cNvSpPr>
+              <p:nvPr/>
+            </p:nvSpPr>
+            <p:spPr>
+              <a:xfrm>
+                <a:off x="6823079" y="1535834"/>
+                <a:ext cx="2051539" cy="369332"/>
+              </a:xfrm>
+              <a:prstGeom prst="rect">
+                <a:avLst/>
+              </a:prstGeom>
+              <a:blipFill>
+                <a:blip r:embed="rId7"/>
+                <a:stretch>
+                  <a:fillRect/>
+                </a:stretch>
+              </a:blipFill>
+            </p:spPr>
+            <p:txBody>
+              <a:bodyPr/>
+              <a:lstStyle/>
+              <a:p>
+                <a:r>
+                  <a:rPr lang="en-ZA">
+                    <a:noFill/>
+                  </a:rPr>
+                  <a:t> </a:t>
+                </a:r>
+              </a:p>
+            </p:txBody>
+          </p:sp>
+        </mc:Fallback>
+      </mc:AlternateContent>
+      <mc:AlternateContent xmlns:mc="http://schemas.openxmlformats.org/markup-compatibility/2006">
+        <mc:Choice xmlns:a14="http://schemas.microsoft.com/office/drawing/2010/main" Requires="a14">
+          <p:sp>
+            <p:nvSpPr>
+              <p:cNvPr id="12" name="TextBox 11">
+                <a:extLst>
+                  <a:ext uri="{FF2B5EF4-FFF2-40B4-BE49-F238E27FC236}">
+                    <a16:creationId xmlns:a16="http://schemas.microsoft.com/office/drawing/2014/main" id="{65CD9C6C-08DD-470E-9624-BA81EC0D6573}"/>
+                  </a:ext>
+                </a:extLst>
+              </p:cNvPr>
+              <p:cNvSpPr txBox="1"/>
+              <p:nvPr/>
+            </p:nvSpPr>
+            <p:spPr>
+              <a:xfrm>
+                <a:off x="3682976" y="4155776"/>
+                <a:ext cx="2051539" cy="369332"/>
+              </a:xfrm>
+              <a:prstGeom prst="rect">
+                <a:avLst/>
+              </a:prstGeom>
+              <a:noFill/>
+            </p:spPr>
+            <p:txBody>
+              <a:bodyPr wrap="square" rtlCol="0">
+                <a:spAutoFit/>
+              </a:bodyPr>
+              <a:lstStyle/>
+              <a:p>
+                <a14:m>
+                  <m:oMathPara xmlns:m="http://schemas.openxmlformats.org/officeDocument/2006/math">
+                    <m:oMathParaPr>
+                      <m:jc m:val="centerGroup"/>
+                    </m:oMathParaPr>
+                    <m:oMath xmlns:m="http://schemas.openxmlformats.org/officeDocument/2006/math">
+                      <m:sSub>
+                        <m:sSubPr>
+                          <m:ctrlPr>
+                            <a:rPr lang="en-ZA" i="1" smtClean="0">
+                              <a:latin typeface="Cambria Math" panose="02040503050406030204" pitchFamily="18" charset="0"/>
+                            </a:rPr>
+                          </m:ctrlPr>
+                        </m:sSubPr>
+                        <m:e>
+                          <m:r>
+                            <a:rPr lang="en-ZA" i="1" smtClean="0">
+                              <a:latin typeface="Cambria Math" panose="02040503050406030204" pitchFamily="18" charset="0"/>
+                              <a:ea typeface="Cambria Math" panose="02040503050406030204" pitchFamily="18" charset="0"/>
+                            </a:rPr>
+                            <m:t>𝜀</m:t>
+                          </m:r>
+                        </m:e>
+                        <m:sub>
+                          <m:r>
+                            <a:rPr lang="en-ZA" i="1" smtClean="0">
+                              <a:latin typeface="Cambria Math" panose="02040503050406030204" pitchFamily="18" charset="0"/>
+                              <a:ea typeface="Cambria Math" panose="02040503050406030204" pitchFamily="18" charset="0"/>
+                            </a:rPr>
+                            <m:t>𝜋</m:t>
+                          </m:r>
+                        </m:sub>
+                      </m:sSub>
+                      <m:r>
+                        <a:rPr lang="en-US" b="0" i="1" smtClean="0">
+                          <a:latin typeface="Cambria Math" panose="02040503050406030204" pitchFamily="18" charset="0"/>
+                        </a:rPr>
+                        <m:t>=14.86%</m:t>
+                      </m:r>
+                    </m:oMath>
+                  </m:oMathPara>
+                </a14:m>
+                <a:endParaRPr lang="en-ZA" dirty="0"/>
+              </a:p>
+            </p:txBody>
+          </p:sp>
+        </mc:Choice>
+        <mc:Fallback>
+          <p:sp>
+            <p:nvSpPr>
+              <p:cNvPr id="12" name="TextBox 11">
+                <a:extLst>
+                  <a:ext uri="{FF2B5EF4-FFF2-40B4-BE49-F238E27FC236}">
+                    <a16:creationId xmlns:a16="http://schemas.microsoft.com/office/drawing/2014/main" id="{65CD9C6C-08DD-470E-9624-BA81EC0D6573}"/>
+                  </a:ext>
+                </a:extLst>
+              </p:cNvPr>
+              <p:cNvSpPr txBox="1">
+                <a:spLocks noRot="1" noChangeAspect="1" noMove="1" noResize="1" noEditPoints="1" noAdjustHandles="1" noChangeArrowheads="1" noChangeShapeType="1" noTextEdit="1"/>
+              </p:cNvSpPr>
+              <p:nvPr/>
+            </p:nvSpPr>
+            <p:spPr>
+              <a:xfrm>
+                <a:off x="3682976" y="4155776"/>
+                <a:ext cx="2051539" cy="369332"/>
+              </a:xfrm>
+              <a:prstGeom prst="rect">
+                <a:avLst/>
+              </a:prstGeom>
+              <a:blipFill>
+                <a:blip r:embed="rId8"/>
+                <a:stretch>
+                  <a:fillRect/>
+                </a:stretch>
+              </a:blipFill>
+            </p:spPr>
+            <p:txBody>
+              <a:bodyPr/>
+              <a:lstStyle/>
+              <a:p>
+                <a:r>
+                  <a:rPr lang="en-ZA">
+                    <a:noFill/>
+                  </a:rPr>
+                  <a:t> </a:t>
+                </a:r>
+              </a:p>
+            </p:txBody>
+          </p:sp>
+        </mc:Fallback>
+      </mc:AlternateContent>
+      <mc:AlternateContent xmlns:mc="http://schemas.openxmlformats.org/markup-compatibility/2006">
+        <mc:Choice xmlns:a14="http://schemas.microsoft.com/office/drawing/2010/main" Requires="a14">
+          <p:sp>
+            <p:nvSpPr>
+              <p:cNvPr id="13" name="TextBox 12">
+                <a:extLst>
+                  <a:ext uri="{FF2B5EF4-FFF2-40B4-BE49-F238E27FC236}">
+                    <a16:creationId xmlns:a16="http://schemas.microsoft.com/office/drawing/2014/main" id="{AA3F6ADA-1F9D-4CAE-9BAF-BED5B3846F5D}"/>
+                  </a:ext>
+                </a:extLst>
+              </p:cNvPr>
+              <p:cNvSpPr txBox="1"/>
+              <p:nvPr/>
+            </p:nvSpPr>
+            <p:spPr>
+              <a:xfrm>
+                <a:off x="6823079" y="4155776"/>
+                <a:ext cx="2051539" cy="369332"/>
+              </a:xfrm>
+              <a:prstGeom prst="rect">
+                <a:avLst/>
+              </a:prstGeom>
+              <a:noFill/>
+            </p:spPr>
+            <p:txBody>
+              <a:bodyPr wrap="square" rtlCol="0">
+                <a:spAutoFit/>
+              </a:bodyPr>
+              <a:lstStyle/>
+              <a:p>
+                <a14:m>
+                  <m:oMathPara xmlns:m="http://schemas.openxmlformats.org/officeDocument/2006/math">
+                    <m:oMathParaPr>
+                      <m:jc m:val="centerGroup"/>
+                    </m:oMathParaPr>
+                    <m:oMath xmlns:m="http://schemas.openxmlformats.org/officeDocument/2006/math">
+                      <m:sSub>
+                        <m:sSubPr>
+                          <m:ctrlPr>
+                            <a:rPr lang="en-ZA" i="1" smtClean="0">
+                              <a:latin typeface="Cambria Math" panose="02040503050406030204" pitchFamily="18" charset="0"/>
+                            </a:rPr>
+                          </m:ctrlPr>
+                        </m:sSubPr>
+                        <m:e>
+                          <m:r>
+                            <a:rPr lang="en-ZA" i="1" smtClean="0">
+                              <a:latin typeface="Cambria Math" panose="02040503050406030204" pitchFamily="18" charset="0"/>
+                              <a:ea typeface="Cambria Math" panose="02040503050406030204" pitchFamily="18" charset="0"/>
+                            </a:rPr>
+                            <m:t>𝜀</m:t>
+                          </m:r>
+                        </m:e>
+                        <m:sub>
+                          <m:r>
+                            <a:rPr lang="en-ZA" i="1" smtClean="0">
+                              <a:latin typeface="Cambria Math" panose="02040503050406030204" pitchFamily="18" charset="0"/>
+                              <a:ea typeface="Cambria Math" panose="02040503050406030204" pitchFamily="18" charset="0"/>
+                            </a:rPr>
+                            <m:t>𝜋</m:t>
+                          </m:r>
+                        </m:sub>
+                      </m:sSub>
+                      <m:r>
+                        <a:rPr lang="en-US" b="0" i="1" smtClean="0">
+                          <a:latin typeface="Cambria Math" panose="02040503050406030204" pitchFamily="18" charset="0"/>
+                        </a:rPr>
+                        <m:t>=5.30%</m:t>
+                      </m:r>
+                    </m:oMath>
+                  </m:oMathPara>
+                </a14:m>
+                <a:endParaRPr lang="en-ZA" dirty="0"/>
+              </a:p>
+            </p:txBody>
+          </p:sp>
+        </mc:Choice>
+        <mc:Fallback>
+          <p:sp>
+            <p:nvSpPr>
+              <p:cNvPr id="13" name="TextBox 12">
+                <a:extLst>
+                  <a:ext uri="{FF2B5EF4-FFF2-40B4-BE49-F238E27FC236}">
+                    <a16:creationId xmlns:a16="http://schemas.microsoft.com/office/drawing/2014/main" id="{AA3F6ADA-1F9D-4CAE-9BAF-BED5B3846F5D}"/>
+                  </a:ext>
+                </a:extLst>
+              </p:cNvPr>
+              <p:cNvSpPr txBox="1">
+                <a:spLocks noRot="1" noChangeAspect="1" noMove="1" noResize="1" noEditPoints="1" noAdjustHandles="1" noChangeArrowheads="1" noChangeShapeType="1" noTextEdit="1"/>
+              </p:cNvSpPr>
+              <p:nvPr/>
+            </p:nvSpPr>
+            <p:spPr>
+              <a:xfrm>
+                <a:off x="6823079" y="4155776"/>
+                <a:ext cx="2051539" cy="369332"/>
+              </a:xfrm>
+              <a:prstGeom prst="rect">
+                <a:avLst/>
+              </a:prstGeom>
+              <a:blipFill>
+                <a:blip r:embed="rId9"/>
+                <a:stretch>
+                  <a:fillRect/>
+                </a:stretch>
+              </a:blipFill>
+            </p:spPr>
+            <p:txBody>
+              <a:bodyPr/>
+              <a:lstStyle/>
+              <a:p>
+                <a:r>
+                  <a:rPr lang="en-ZA">
+                    <a:noFill/>
+                  </a:rPr>
+                  <a:t> </a:t>
+                </a:r>
+              </a:p>
+            </p:txBody>
+          </p:sp>
+        </mc:Fallback>
+      </mc:AlternateContent>
     </p:spTree>
     <p:extLst>
       <p:ext uri="{BB962C8B-B14F-4D97-AF65-F5344CB8AC3E}">
-        <p14:creationId xmlns:p14="http://schemas.microsoft.com/office/powerpoint/2010/main" val="1066324077"/>
+        <p14:creationId xmlns:p14="http://schemas.microsoft.com/office/powerpoint/2010/main" val="550708734"/>
       </p:ext>
     </p:extLst>
   </p:cSld>
   <p:clrMapOvr>
     <a:masterClrMapping/>
   </p:clrMapOvr>
+  <p:timing>
+    <p:tnLst>
+      <p:par>
+        <p:cTn id="1" dur="indefinite" restart="never" nodeType="tmRoot">
+          <p:childTnLst>
+            <p:seq concurrent="1" nextAc="seek">
+              <p:cTn id="2" dur="indefinite" nodeType="mainSeq">
+                <p:childTnLst>
+                  <p:par>
+                    <p:cTn id="3" fill="hold">
+                      <p:stCondLst>
+                        <p:cond delay="indefinite"/>
+                      </p:stCondLst>
+                      <p:childTnLst>
+                        <p:par>
+                          <p:cTn id="4" fill="hold">
+                            <p:stCondLst>
+                              <p:cond delay="0"/>
+                            </p:stCondLst>
+                            <p:childTnLst>
+                              <p:par>
+                                <p:cTn id="5" presetID="1" presetClass="entr" presetSubtype="0" fill="hold" nodeType="clickEffect">
+                                  <p:stCondLst>
+                                    <p:cond delay="0"/>
+                                  </p:stCondLst>
+                                  <p:childTnLst>
+                                    <p:set>
+                                      <p:cBhvr>
+                                        <p:cTn id="6" dur="1" fill="hold">
+                                          <p:stCondLst>
+                                            <p:cond delay="0"/>
+                                          </p:stCondLst>
+                                        </p:cTn>
+                                        <p:tgtEl>
+                                          <p:spTgt spid="5"/>
+                                        </p:tgtEl>
+                                        <p:attrNameLst>
+                                          <p:attrName>style.visibility</p:attrName>
+                                        </p:attrNameLst>
+                                      </p:cBhvr>
+                                      <p:to>
+                                        <p:strVal val="visible"/>
+                                      </p:to>
+                                    </p:set>
+                                  </p:childTnLst>
+                                </p:cTn>
+                              </p:par>
+                            </p:childTnLst>
+                          </p:cTn>
+                        </p:par>
+                      </p:childTnLst>
+                    </p:cTn>
+                  </p:par>
+                  <p:par>
+                    <p:cTn id="7" fill="hold">
+                      <p:stCondLst>
+                        <p:cond delay="indefinite"/>
+                      </p:stCondLst>
+                      <p:childTnLst>
+                        <p:par>
+                          <p:cTn id="8" fill="hold">
+                            <p:stCondLst>
+                              <p:cond delay="0"/>
+                            </p:stCondLst>
+                            <p:childTnLst>
+                              <p:par>
+                                <p:cTn id="9" presetID="1" presetClass="exit" presetSubtype="0" fill="hold" nodeType="clickEffect">
+                                  <p:stCondLst>
+                                    <p:cond delay="0"/>
+                                  </p:stCondLst>
+                                  <p:childTnLst>
+                                    <p:set>
+                                      <p:cBhvr>
+                                        <p:cTn id="10" dur="1" fill="hold">
+                                          <p:stCondLst>
+                                            <p:cond delay="0"/>
+                                          </p:stCondLst>
+                                        </p:cTn>
+                                        <p:tgtEl>
+                                          <p:spTgt spid="5"/>
+                                        </p:tgtEl>
+                                        <p:attrNameLst>
+                                          <p:attrName>style.visibility</p:attrName>
+                                        </p:attrNameLst>
+                                      </p:cBhvr>
+                                      <p:to>
+                                        <p:strVal val="hidden"/>
+                                      </p:to>
+                                    </p:set>
+                                  </p:childTnLst>
+                                </p:cTn>
+                              </p:par>
+                            </p:childTnLst>
+                          </p:cTn>
+                        </p:par>
+                      </p:childTnLst>
+                    </p:cTn>
+                  </p:par>
+                  <p:par>
+                    <p:cTn id="11" fill="hold">
+                      <p:stCondLst>
+                        <p:cond delay="indefinite"/>
+                      </p:stCondLst>
+                      <p:childTnLst>
+                        <p:par>
+                          <p:cTn id="12" fill="hold">
+                            <p:stCondLst>
+                              <p:cond delay="0"/>
+                            </p:stCondLst>
+                            <p:childTnLst>
+                              <p:par>
+                                <p:cTn id="13" presetID="1" presetClass="exit" presetSubtype="0" fill="hold" grpId="0" nodeType="clickEffect">
+                                  <p:stCondLst>
+                                    <p:cond delay="0"/>
+                                  </p:stCondLst>
+                                  <p:childTnLst>
+                                    <p:set>
+                                      <p:cBhvr>
+                                        <p:cTn id="14" dur="1" fill="hold">
+                                          <p:stCondLst>
+                                            <p:cond delay="0"/>
+                                          </p:stCondLst>
+                                        </p:cTn>
+                                        <p:tgtEl>
+                                          <p:spTgt spid="3"/>
+                                        </p:tgtEl>
+                                        <p:attrNameLst>
+                                          <p:attrName>style.visibility</p:attrName>
+                                        </p:attrNameLst>
+                                      </p:cBhvr>
+                                      <p:to>
+                                        <p:strVal val="hidden"/>
+                                      </p:to>
+                                    </p:set>
+                                  </p:childTnLst>
+                                </p:cTn>
+                              </p:par>
+                            </p:childTnLst>
+                          </p:cTn>
+                        </p:par>
+                      </p:childTnLst>
+                    </p:cTn>
+                  </p:par>
+                  <p:par>
+                    <p:cTn id="15" fill="hold">
+                      <p:stCondLst>
+                        <p:cond delay="indefinite"/>
+                      </p:stCondLst>
+                      <p:childTnLst>
+                        <p:par>
+                          <p:cTn id="16" fill="hold">
+                            <p:stCondLst>
+                              <p:cond delay="0"/>
+                            </p:stCondLst>
+                            <p:childTnLst>
+                              <p:par>
+                                <p:cTn id="17" presetID="1" presetClass="entr" presetSubtype="0" fill="hold" nodeType="clickEffect">
+                                  <p:stCondLst>
+                                    <p:cond delay="0"/>
+                                  </p:stCondLst>
+                                  <p:childTnLst>
+                                    <p:set>
+                                      <p:cBhvr>
+                                        <p:cTn id="18" dur="1" fill="hold">
+                                          <p:stCondLst>
+                                            <p:cond delay="0"/>
+                                          </p:stCondLst>
+                                        </p:cTn>
+                                        <p:tgtEl>
+                                          <p:spTgt spid="6"/>
+                                        </p:tgtEl>
+                                        <p:attrNameLst>
+                                          <p:attrName>style.visibility</p:attrName>
+                                        </p:attrNameLst>
+                                      </p:cBhvr>
+                                      <p:to>
+                                        <p:strVal val="visible"/>
+                                      </p:to>
+                                    </p:set>
+                                  </p:childTnLst>
+                                </p:cTn>
+                              </p:par>
+                            </p:childTnLst>
+                          </p:cTn>
+                        </p:par>
+                      </p:childTnLst>
+                    </p:cTn>
+                  </p:par>
+                  <p:par>
+                    <p:cTn id="19" fill="hold">
+                      <p:stCondLst>
+                        <p:cond delay="indefinite"/>
+                      </p:stCondLst>
+                      <p:childTnLst>
+                        <p:par>
+                          <p:cTn id="20" fill="hold">
+                            <p:stCondLst>
+                              <p:cond delay="0"/>
+                            </p:stCondLst>
+                            <p:childTnLst>
+                              <p:par>
+                                <p:cTn id="21" presetID="1" presetClass="exit" presetSubtype="0" fill="hold" nodeType="clickEffect">
+                                  <p:stCondLst>
+                                    <p:cond delay="0"/>
+                                  </p:stCondLst>
+                                  <p:childTnLst>
+                                    <p:set>
+                                      <p:cBhvr>
+                                        <p:cTn id="22" dur="1" fill="hold">
+                                          <p:stCondLst>
+                                            <p:cond delay="0"/>
+                                          </p:stCondLst>
+                                        </p:cTn>
+                                        <p:tgtEl>
+                                          <p:spTgt spid="6"/>
+                                        </p:tgtEl>
+                                        <p:attrNameLst>
+                                          <p:attrName>style.visibility</p:attrName>
+                                        </p:attrNameLst>
+                                      </p:cBhvr>
+                                      <p:to>
+                                        <p:strVal val="hidden"/>
+                                      </p:to>
+                                    </p:set>
+                                  </p:childTnLst>
+                                </p:cTn>
+                              </p:par>
+                            </p:childTnLst>
+                          </p:cTn>
+                        </p:par>
+                      </p:childTnLst>
+                    </p:cTn>
+                  </p:par>
+                  <p:par>
+                    <p:cTn id="23" fill="hold">
+                      <p:stCondLst>
+                        <p:cond delay="indefinite"/>
+                      </p:stCondLst>
+                      <p:childTnLst>
+                        <p:par>
+                          <p:cTn id="24" fill="hold">
+                            <p:stCondLst>
+                              <p:cond delay="0"/>
+                            </p:stCondLst>
+                            <p:childTnLst>
+                              <p:par>
+                                <p:cTn id="25" presetID="1" presetClass="entr" presetSubtype="0" fill="hold" nodeType="clickEffect">
+                                  <p:stCondLst>
+                                    <p:cond delay="0"/>
+                                  </p:stCondLst>
+                                  <p:childTnLst>
+                                    <p:set>
+                                      <p:cBhvr>
+                                        <p:cTn id="26" dur="1" fill="hold">
+                                          <p:stCondLst>
+                                            <p:cond delay="0"/>
+                                          </p:stCondLst>
+                                        </p:cTn>
+                                        <p:tgtEl>
+                                          <p:spTgt spid="9"/>
+                                        </p:tgtEl>
+                                        <p:attrNameLst>
+                                          <p:attrName>style.visibility</p:attrName>
+                                        </p:attrNameLst>
+                                      </p:cBhvr>
+                                      <p:to>
+                                        <p:strVal val="visible"/>
+                                      </p:to>
+                                    </p:set>
+                                  </p:childTnLst>
+                                </p:cTn>
+                              </p:par>
+                            </p:childTnLst>
+                          </p:cTn>
+                        </p:par>
+                      </p:childTnLst>
+                    </p:cTn>
+                  </p:par>
+                  <p:par>
+                    <p:cTn id="27" fill="hold">
+                      <p:stCondLst>
+                        <p:cond delay="indefinite"/>
+                      </p:stCondLst>
+                      <p:childTnLst>
+                        <p:par>
+                          <p:cTn id="28" fill="hold">
+                            <p:stCondLst>
+                              <p:cond delay="0"/>
+                            </p:stCondLst>
+                            <p:childTnLst>
+                              <p:par>
+                                <p:cTn id="29" presetID="1" presetClass="entr" presetSubtype="0" fill="hold" grpId="0" nodeType="clickEffect">
+                                  <p:stCondLst>
+                                    <p:cond delay="0"/>
+                                  </p:stCondLst>
+                                  <p:childTnLst>
+                                    <p:set>
+                                      <p:cBhvr>
+                                        <p:cTn id="30" dur="1" fill="hold">
+                                          <p:stCondLst>
+                                            <p:cond delay="0"/>
+                                          </p:stCondLst>
+                                        </p:cTn>
+                                        <p:tgtEl>
+                                          <p:spTgt spid="10"/>
+                                        </p:tgtEl>
+                                        <p:attrNameLst>
+                                          <p:attrName>style.visibility</p:attrName>
+                                        </p:attrNameLst>
+                                      </p:cBhvr>
+                                      <p:to>
+                                        <p:strVal val="visible"/>
+                                      </p:to>
+                                    </p:set>
+                                  </p:childTnLst>
+                                </p:cTn>
+                              </p:par>
+                              <p:par>
+                                <p:cTn id="31" presetID="1" presetClass="entr" presetSubtype="0" fill="hold" grpId="0" nodeType="withEffect">
+                                  <p:stCondLst>
+                                    <p:cond delay="0"/>
+                                  </p:stCondLst>
+                                  <p:childTnLst>
+                                    <p:set>
+                                      <p:cBhvr>
+                                        <p:cTn id="32" dur="1" fill="hold">
+                                          <p:stCondLst>
+                                            <p:cond delay="0"/>
+                                          </p:stCondLst>
+                                        </p:cTn>
+                                        <p:tgtEl>
+                                          <p:spTgt spid="11"/>
+                                        </p:tgtEl>
+                                        <p:attrNameLst>
+                                          <p:attrName>style.visibility</p:attrName>
+                                        </p:attrNameLst>
+                                      </p:cBhvr>
+                                      <p:to>
+                                        <p:strVal val="visible"/>
+                                      </p:to>
+                                    </p:set>
+                                  </p:childTnLst>
+                                </p:cTn>
+                              </p:par>
+                              <p:par>
+                                <p:cTn id="33" presetID="1" presetClass="entr" presetSubtype="0" fill="hold" grpId="0" nodeType="withEffect">
+                                  <p:stCondLst>
+                                    <p:cond delay="0"/>
+                                  </p:stCondLst>
+                                  <p:childTnLst>
+                                    <p:set>
+                                      <p:cBhvr>
+                                        <p:cTn id="34" dur="1" fill="hold">
+                                          <p:stCondLst>
+                                            <p:cond delay="0"/>
+                                          </p:stCondLst>
+                                        </p:cTn>
+                                        <p:tgtEl>
+                                          <p:spTgt spid="12"/>
+                                        </p:tgtEl>
+                                        <p:attrNameLst>
+                                          <p:attrName>style.visibility</p:attrName>
+                                        </p:attrNameLst>
+                                      </p:cBhvr>
+                                      <p:to>
+                                        <p:strVal val="visible"/>
+                                      </p:to>
+                                    </p:set>
+                                  </p:childTnLst>
+                                </p:cTn>
+                              </p:par>
+                              <p:par>
+                                <p:cTn id="35" presetID="1" presetClass="entr" presetSubtype="0" fill="hold" grpId="0" nodeType="withEffect">
+                                  <p:stCondLst>
+                                    <p:cond delay="0"/>
+                                  </p:stCondLst>
+                                  <p:childTnLst>
+                                    <p:set>
+                                      <p:cBhvr>
+                                        <p:cTn id="36" dur="1" fill="hold">
+                                          <p:stCondLst>
+                                            <p:cond delay="0"/>
+                                          </p:stCondLst>
+                                        </p:cTn>
+                                        <p:tgtEl>
+                                          <p:spTgt spid="13"/>
+                                        </p:tgtEl>
+                                        <p:attrNameLst>
+                                          <p:attrName>style.visibility</p:attrName>
+                                        </p:attrNameLst>
+                                      </p:cBhvr>
+                                      <p:to>
+                                        <p:strVal val="visible"/>
+                                      </p:to>
+                                    </p:set>
+                                  </p:childTnLst>
+                                </p:cTn>
+                              </p:par>
+                            </p:childTnLst>
+                          </p:cTn>
+                        </p:par>
+                      </p:childTnLst>
+                    </p:cTn>
+                  </p:par>
+                </p:childTnLst>
+              </p:cTn>
+              <p:prevCondLst>
+                <p:cond evt="onPrev" delay="0">
+                  <p:tgtEl>
+                    <p:sldTgt/>
+                  </p:tgtEl>
+                </p:cond>
+              </p:prevCondLst>
+              <p:nextCondLst>
+                <p:cond evt="onNext" delay="0">
+                  <p:tgtEl>
+                    <p:sldTgt/>
+                  </p:tgtEl>
+                </p:cond>
+              </p:nextCondLst>
+            </p:seq>
+          </p:childTnLst>
+        </p:cTn>
+      </p:par>
+    </p:tnLst>
+    <p:bldLst>
+      <p:bldP spid="3" grpId="0"/>
+      <p:bldP spid="10" grpId="0"/>
+      <p:bldP spid="11" grpId="0"/>
+      <p:bldP spid="12" grpId="0"/>
+      <p:bldP spid="13" grpId="0"/>
+    </p:bldLst>
+  </p:timing>
 </p:sld>
 </file>
 
@@ -12999,8 +14449,8 @@
           <a:lstStyle/>
           <a:p>
             <a:r>
-              <a:rPr lang="en-US" b="0" dirty="0"/>
-              <a:t>Deep Generative Models for Fast Detector Simulations</a:t>
+              <a:rPr lang="en-US" dirty="0"/>
+              <a:t>Monte Carlo vs Real Data</a:t>
             </a:r>
             <a:endParaRPr lang="en-ZA" dirty="0"/>
           </a:p>
@@ -13025,21 +14475,13 @@
         <p:spPr>
           <a:xfrm>
             <a:off x="779099" y="4623212"/>
-            <a:ext cx="4416587" cy="1261773"/>
+            <a:ext cx="4416587" cy="1883096"/>
           </a:xfrm>
         </p:spPr>
         <p:txBody>
           <a:bodyPr/>
           <a:lstStyle/>
           <a:p>
-            <a:r>
-              <a:rPr lang="en-US" b="1" dirty="0">
-                <a:solidFill>
-                  <a:schemeClr val="bg1"/>
-                </a:solidFill>
-              </a:rPr>
-              <a:t>Variational Autoencoders (</a:t>
-            </a:r>
             <a:r>
               <a:rPr lang="en-US" b="1" dirty="0">
                 <a:solidFill>
@@ -13049,7 +14491,7 @@
                   </a:schemeClr>
                 </a:solidFill>
               </a:rPr>
-              <a:t>VAEs</a:t>
+              <a:t>Geant4 simulations: pions </a:t>
             </a:r>
             <a:r>
               <a:rPr lang="en-US" b="1" dirty="0">
@@ -13057,7 +14499,7 @@
                   <a:schemeClr val="bg1"/>
                 </a:solidFill>
               </a:rPr>
-              <a:t>)</a:t>
+              <a:t>configured with environmental parameters from LHCq16/000265343</a:t>
             </a:r>
           </a:p>
           <a:p>
@@ -13067,7 +14509,7 @@
                   <a:schemeClr val="bg1"/>
                 </a:solidFill>
               </a:rPr>
-              <a:t>Generative Adversarial Networks (</a:t>
+              <a:t>Assessed against </a:t>
             </a:r>
             <a:r>
               <a:rPr lang="en-US" b="1" dirty="0">
@@ -13078,7 +14520,7 @@
                   </a:schemeClr>
                 </a:solidFill>
               </a:rPr>
-              <a:t>GANs</a:t>
+              <a:t>real TRD data from pions</a:t>
             </a:r>
             <a:r>
               <a:rPr lang="en-US" b="1" dirty="0">
@@ -13086,7 +14528,7 @@
                   <a:schemeClr val="bg1"/>
                 </a:solidFill>
               </a:rPr>
-              <a:t>)</a:t>
+              <a:t>:</a:t>
             </a:r>
           </a:p>
           <a:p>
@@ -13096,26 +14538,7 @@
                   <a:schemeClr val="bg1"/>
                 </a:solidFill>
               </a:rPr>
-              <a:t>Adversarial Autoencoders (</a:t>
-            </a:r>
-            <a:r>
-              <a:rPr lang="en-US" b="1" dirty="0">
-                <a:solidFill>
-                  <a:schemeClr val="accent3">
-                    <a:lumMod val="60000"/>
-                    <a:lumOff val="40000"/>
-                  </a:schemeClr>
-                </a:solidFill>
-              </a:rPr>
-              <a:t>AAEs</a:t>
-            </a:r>
-            <a:r>
-              <a:rPr lang="en-US" b="1" dirty="0">
-                <a:solidFill>
-                  <a:schemeClr val="bg1"/>
-                </a:solidFill>
-              </a:rPr>
-              <a:t>)</a:t>
+              <a:t>LHCq16/000265343</a:t>
             </a:r>
             <a:endParaRPr lang="en-ZA" b="1" dirty="0">
               <a:solidFill>
@@ -13158,7 +14581,496 @@
     </p:spTree>
     <p:extLst>
       <p:ext uri="{BB962C8B-B14F-4D97-AF65-F5344CB8AC3E}">
+        <p14:creationId xmlns:p14="http://schemas.microsoft.com/office/powerpoint/2010/main" val="1066324077"/>
+      </p:ext>
+    </p:extLst>
+  </p:cSld>
+  <p:clrMapOvr>
+    <a:masterClrMapping/>
+  </p:clrMapOvr>
+</p:sld>
+</file>
+
+<file path=ppt/slides/slide7.xml><?xml version="1.0" encoding="utf-8"?>
+<p:sld xmlns:a="http://schemas.openxmlformats.org/drawingml/2006/main" xmlns:r="http://schemas.openxmlformats.org/officeDocument/2006/relationships" xmlns:p="http://schemas.openxmlformats.org/presentationml/2006/main" showMasterSp="0">
+  <p:cSld>
+    <p:spTree>
+      <p:nvGrpSpPr>
+        <p:cNvPr id="1" name=""/>
+        <p:cNvGrpSpPr/>
+        <p:nvPr/>
+      </p:nvGrpSpPr>
+      <p:grpSpPr>
+        <a:xfrm>
+          <a:off x="0" y="0"/>
+          <a:ext cx="0" cy="0"/>
+          <a:chOff x="0" y="0"/>
+          <a:chExt cx="0" cy="0"/>
+        </a:xfrm>
+      </p:grpSpPr>
+      <p:sp>
+        <p:nvSpPr>
+          <p:cNvPr id="2" name="Slide Number Placeholder 1">
+            <a:extLst>
+              <a:ext uri="{FF2B5EF4-FFF2-40B4-BE49-F238E27FC236}">
+                <a16:creationId xmlns:a16="http://schemas.microsoft.com/office/drawing/2014/main" id="{08973FF0-8D30-4052-94F0-DE2959549C10}"/>
+              </a:ext>
+            </a:extLst>
+          </p:cNvPr>
+          <p:cNvSpPr>
+            <a:spLocks noGrp="1"/>
+          </p:cNvSpPr>
+          <p:nvPr>
+            <p:ph type="sldNum" sz="quarter" idx="33"/>
+          </p:nvPr>
+        </p:nvSpPr>
+        <p:spPr/>
+        <p:txBody>
+          <a:bodyPr/>
+          <a:lstStyle/>
+          <a:p>
+            <a:fld id="{19B51A1E-902D-48AF-9020-955120F399B6}" type="slidenum">
+              <a:rPr lang="en-US" noProof="0" smtClean="0"/>
+              <a:pPr/>
+              <a:t>7</a:t>
+            </a:fld>
+            <a:endParaRPr lang="en-US" noProof="0" dirty="0"/>
+          </a:p>
+        </p:txBody>
+      </p:sp>
+      <p:sp>
+        <p:nvSpPr>
+          <p:cNvPr id="3" name="Title 2">
+            <a:extLst>
+              <a:ext uri="{FF2B5EF4-FFF2-40B4-BE49-F238E27FC236}">
+                <a16:creationId xmlns:a16="http://schemas.microsoft.com/office/drawing/2014/main" id="{5DED1535-01F3-4F00-9F83-DD647CD49813}"/>
+              </a:ext>
+            </a:extLst>
+          </p:cNvPr>
+          <p:cNvSpPr>
+            <a:spLocks noGrp="1"/>
+          </p:cNvSpPr>
+          <p:nvPr>
+            <p:ph type="title"/>
+          </p:nvPr>
+        </p:nvSpPr>
+        <p:spPr/>
+        <p:txBody>
+          <a:bodyPr/>
+          <a:lstStyle/>
+          <a:p>
+            <a:endParaRPr lang="en-ZA"/>
+          </a:p>
+        </p:txBody>
+      </p:sp>
+      <p:sp>
+        <p:nvSpPr>
+          <p:cNvPr id="4" name="Content Placeholder 3">
+            <a:extLst>
+              <a:ext uri="{FF2B5EF4-FFF2-40B4-BE49-F238E27FC236}">
+                <a16:creationId xmlns:a16="http://schemas.microsoft.com/office/drawing/2014/main" id="{28988F18-715C-475C-9A9C-7895BB8010E2}"/>
+              </a:ext>
+            </a:extLst>
+          </p:cNvPr>
+          <p:cNvSpPr>
+            <a:spLocks noGrp="1"/>
+          </p:cNvSpPr>
+          <p:nvPr>
+            <p:ph idx="34"/>
+          </p:nvPr>
+        </p:nvSpPr>
+        <p:spPr/>
+        <p:txBody>
+          <a:bodyPr/>
+          <a:lstStyle/>
+          <a:p>
+            <a:endParaRPr lang="en-ZA"/>
+          </a:p>
+        </p:txBody>
+      </p:sp>
+    </p:spTree>
+    <p:extLst>
+      <p:ext uri="{BB962C8B-B14F-4D97-AF65-F5344CB8AC3E}">
+        <p14:creationId xmlns:p14="http://schemas.microsoft.com/office/powerpoint/2010/main" val="4172916338"/>
+      </p:ext>
+    </p:extLst>
+  </p:cSld>
+  <p:clrMapOvr>
+    <a:masterClrMapping/>
+  </p:clrMapOvr>
+</p:sld>
+</file>
+
+<file path=ppt/slides/slide8.xml><?xml version="1.0" encoding="utf-8"?>
+<p:sld xmlns:a="http://schemas.openxmlformats.org/drawingml/2006/main" xmlns:r="http://schemas.openxmlformats.org/officeDocument/2006/relationships" xmlns:p="http://schemas.openxmlformats.org/presentationml/2006/main" showMasterSp="0">
+  <p:cSld>
+    <p:spTree>
+      <p:nvGrpSpPr>
+        <p:cNvPr id="1" name=""/>
+        <p:cNvGrpSpPr/>
+        <p:nvPr/>
+      </p:nvGrpSpPr>
+      <p:grpSpPr>
+        <a:xfrm>
+          <a:off x="0" y="0"/>
+          <a:ext cx="0" cy="0"/>
+          <a:chOff x="0" y="0"/>
+          <a:chExt cx="0" cy="0"/>
+        </a:xfrm>
+      </p:grpSpPr>
+      <p:pic>
+        <p:nvPicPr>
+          <p:cNvPr id="17" name="Picture Placeholder 16" descr="A close up of a flower&#10;&#10;Description automatically generated">
+            <a:extLst>
+              <a:ext uri="{FF2B5EF4-FFF2-40B4-BE49-F238E27FC236}">
+                <a16:creationId xmlns:a16="http://schemas.microsoft.com/office/drawing/2014/main" id="{18D9B57A-1B8D-4D49-9010-A65C69AD51D2}"/>
+              </a:ext>
+            </a:extLst>
+          </p:cNvPr>
+          <p:cNvPicPr>
+            <a:picLocks noGrp="1" noChangeAspect="1"/>
+          </p:cNvPicPr>
+          <p:nvPr>
+            <p:ph type="pic" sz="quarter" idx="13"/>
+          </p:nvPr>
+        </p:nvPicPr>
+        <p:blipFill>
+          <a:blip r:embed="rId2"/>
+          <a:srcRect t="32448" b="32448"/>
+          <a:stretch>
+            <a:fillRect/>
+          </a:stretch>
+        </p:blipFill>
+        <p:spPr/>
+      </p:pic>
+      <p:sp>
+        <p:nvSpPr>
+          <p:cNvPr id="3" name="Title 2">
+            <a:extLst>
+              <a:ext uri="{FF2B5EF4-FFF2-40B4-BE49-F238E27FC236}">
+                <a16:creationId xmlns:a16="http://schemas.microsoft.com/office/drawing/2014/main" id="{D685A792-87BD-4399-8C1F-E4D748740277}"/>
+              </a:ext>
+            </a:extLst>
+          </p:cNvPr>
+          <p:cNvSpPr>
+            <a:spLocks noGrp="1"/>
+          </p:cNvSpPr>
+          <p:nvPr>
+            <p:ph type="ctrTitle"/>
+          </p:nvPr>
+        </p:nvSpPr>
+        <p:spPr/>
+        <p:txBody>
+          <a:bodyPr/>
+          <a:lstStyle/>
+          <a:p>
+            <a:r>
+              <a:rPr lang="en-US" b="0" dirty="0"/>
+              <a:t>Deep Generative Models for Fast Detector Simulations</a:t>
+            </a:r>
+            <a:endParaRPr lang="en-ZA" dirty="0"/>
+          </a:p>
+        </p:txBody>
+      </p:sp>
+      <p:sp>
+        <p:nvSpPr>
+          <p:cNvPr id="4" name="Subtitle 3">
+            <a:extLst>
+              <a:ext uri="{FF2B5EF4-FFF2-40B4-BE49-F238E27FC236}">
+                <a16:creationId xmlns:a16="http://schemas.microsoft.com/office/drawing/2014/main" id="{88D3EA9E-0795-4A1C-A2E4-C9B36B079ED8}"/>
+              </a:ext>
+            </a:extLst>
+          </p:cNvPr>
+          <p:cNvSpPr>
+            <a:spLocks noGrp="1"/>
+          </p:cNvSpPr>
+          <p:nvPr>
+            <p:ph type="subTitle" idx="1"/>
+          </p:nvPr>
+        </p:nvSpPr>
+        <p:spPr>
+          <a:xfrm>
+            <a:off x="779099" y="4623212"/>
+            <a:ext cx="4416587" cy="1261773"/>
+          </a:xfrm>
+        </p:spPr>
+        <p:txBody>
+          <a:bodyPr/>
+          <a:lstStyle/>
+          <a:p>
+            <a:r>
+              <a:rPr lang="en-US" b="1" dirty="0">
+                <a:solidFill>
+                  <a:schemeClr val="bg1"/>
+                </a:solidFill>
+              </a:rPr>
+              <a:t>Variational Autoencoders (</a:t>
+            </a:r>
+            <a:r>
+              <a:rPr lang="en-US" b="1" dirty="0">
+                <a:solidFill>
+                  <a:schemeClr val="accent3">
+                    <a:lumMod val="60000"/>
+                    <a:lumOff val="40000"/>
+                  </a:schemeClr>
+                </a:solidFill>
+              </a:rPr>
+              <a:t>VAEs</a:t>
+            </a:r>
+            <a:r>
+              <a:rPr lang="en-US" b="1" dirty="0">
+                <a:solidFill>
+                  <a:schemeClr val="bg1"/>
+                </a:solidFill>
+              </a:rPr>
+              <a:t>)</a:t>
+            </a:r>
+          </a:p>
+          <a:p>
+            <a:r>
+              <a:rPr lang="en-US" b="1" dirty="0">
+                <a:solidFill>
+                  <a:schemeClr val="bg1"/>
+                </a:solidFill>
+              </a:rPr>
+              <a:t>Generative Adversarial Networks (</a:t>
+            </a:r>
+            <a:r>
+              <a:rPr lang="en-US" b="1" dirty="0">
+                <a:solidFill>
+                  <a:schemeClr val="accent3">
+                    <a:lumMod val="60000"/>
+                    <a:lumOff val="40000"/>
+                  </a:schemeClr>
+                </a:solidFill>
+              </a:rPr>
+              <a:t>GANs</a:t>
+            </a:r>
+            <a:r>
+              <a:rPr lang="en-US" b="1" dirty="0">
+                <a:solidFill>
+                  <a:schemeClr val="bg1"/>
+                </a:solidFill>
+              </a:rPr>
+              <a:t>)</a:t>
+            </a:r>
+          </a:p>
+          <a:p>
+            <a:r>
+              <a:rPr lang="en-US" b="1" dirty="0">
+                <a:solidFill>
+                  <a:schemeClr val="bg1"/>
+                </a:solidFill>
+              </a:rPr>
+              <a:t>Adversarial Autoencoders (</a:t>
+            </a:r>
+            <a:r>
+              <a:rPr lang="en-US" b="1" dirty="0">
+                <a:solidFill>
+                  <a:schemeClr val="accent3">
+                    <a:lumMod val="60000"/>
+                    <a:lumOff val="40000"/>
+                  </a:schemeClr>
+                </a:solidFill>
+              </a:rPr>
+              <a:t>AAEs</a:t>
+            </a:r>
+            <a:r>
+              <a:rPr lang="en-US" b="1" dirty="0">
+                <a:solidFill>
+                  <a:schemeClr val="bg1"/>
+                </a:solidFill>
+              </a:rPr>
+              <a:t>)</a:t>
+            </a:r>
+            <a:endParaRPr lang="en-ZA" b="1" dirty="0">
+              <a:solidFill>
+                <a:schemeClr val="bg1"/>
+              </a:solidFill>
+            </a:endParaRPr>
+          </a:p>
+        </p:txBody>
+      </p:sp>
+      <p:sp>
+        <p:nvSpPr>
+          <p:cNvPr id="5" name="Slide Number Placeholder 4">
+            <a:extLst>
+              <a:ext uri="{FF2B5EF4-FFF2-40B4-BE49-F238E27FC236}">
+                <a16:creationId xmlns:a16="http://schemas.microsoft.com/office/drawing/2014/main" id="{BFAFA710-E76F-46A5-B9ED-8F914C510623}"/>
+              </a:ext>
+            </a:extLst>
+          </p:cNvPr>
+          <p:cNvSpPr>
+            <a:spLocks noGrp="1"/>
+          </p:cNvSpPr>
+          <p:nvPr>
+            <p:ph type="sldNum" sz="quarter" idx="14"/>
+          </p:nvPr>
+        </p:nvSpPr>
+        <p:spPr/>
+        <p:txBody>
+          <a:bodyPr/>
+          <a:lstStyle/>
+          <a:p>
+            <a:fld id="{19B51A1E-902D-48AF-9020-955120F399B6}" type="slidenum">
+              <a:rPr lang="en-US" noProof="0" smtClean="0"/>
+              <a:pPr/>
+              <a:t>8</a:t>
+            </a:fld>
+            <a:endParaRPr lang="en-US" noProof="0" dirty="0"/>
+          </a:p>
+        </p:txBody>
+      </p:sp>
+    </p:spTree>
+    <p:extLst>
+      <p:ext uri="{BB962C8B-B14F-4D97-AF65-F5344CB8AC3E}">
         <p14:creationId xmlns:p14="http://schemas.microsoft.com/office/powerpoint/2010/main" val="2967292267"/>
+      </p:ext>
+    </p:extLst>
+  </p:cSld>
+  <p:clrMapOvr>
+    <a:masterClrMapping/>
+  </p:clrMapOvr>
+</p:sld>
+</file>
+
+<file path=ppt/slides/slide9.xml><?xml version="1.0" encoding="utf-8"?>
+<p:sld xmlns:a="http://schemas.openxmlformats.org/drawingml/2006/main" xmlns:r="http://schemas.openxmlformats.org/officeDocument/2006/relationships" xmlns:p="http://schemas.openxmlformats.org/presentationml/2006/main" showMasterSp="0">
+  <p:cSld>
+    <p:spTree>
+      <p:nvGrpSpPr>
+        <p:cNvPr id="1" name=""/>
+        <p:cNvGrpSpPr/>
+        <p:nvPr/>
+      </p:nvGrpSpPr>
+      <p:grpSpPr>
+        <a:xfrm>
+          <a:off x="0" y="0"/>
+          <a:ext cx="0" cy="0"/>
+          <a:chOff x="0" y="0"/>
+          <a:chExt cx="0" cy="0"/>
+        </a:xfrm>
+      </p:grpSpPr>
+      <p:sp>
+        <p:nvSpPr>
+          <p:cNvPr id="2" name="Slide Number Placeholder 1">
+            <a:extLst>
+              <a:ext uri="{FF2B5EF4-FFF2-40B4-BE49-F238E27FC236}">
+                <a16:creationId xmlns:a16="http://schemas.microsoft.com/office/drawing/2014/main" id="{659AAA58-80EC-4F33-B4DB-614E43294B92}"/>
+              </a:ext>
+            </a:extLst>
+          </p:cNvPr>
+          <p:cNvSpPr>
+            <a:spLocks noGrp="1"/>
+          </p:cNvSpPr>
+          <p:nvPr>
+            <p:ph type="sldNum" sz="quarter" idx="33"/>
+          </p:nvPr>
+        </p:nvSpPr>
+        <p:spPr/>
+        <p:txBody>
+          <a:bodyPr/>
+          <a:lstStyle/>
+          <a:p>
+            <a:fld id="{19B51A1E-902D-48AF-9020-955120F399B6}" type="slidenum">
+              <a:rPr lang="en-US" noProof="0" smtClean="0"/>
+              <a:pPr/>
+              <a:t>9</a:t>
+            </a:fld>
+            <a:endParaRPr lang="en-US" noProof="0" dirty="0"/>
+          </a:p>
+        </p:txBody>
+      </p:sp>
+      <p:sp>
+        <p:nvSpPr>
+          <p:cNvPr id="5" name="Title 4">
+            <a:extLst>
+              <a:ext uri="{FF2B5EF4-FFF2-40B4-BE49-F238E27FC236}">
+                <a16:creationId xmlns:a16="http://schemas.microsoft.com/office/drawing/2014/main" id="{CFB569E9-04AC-41B2-BEE1-4C7248B4EDF7}"/>
+              </a:ext>
+            </a:extLst>
+          </p:cNvPr>
+          <p:cNvSpPr>
+            <a:spLocks noGrp="1"/>
+          </p:cNvSpPr>
+          <p:nvPr>
+            <p:ph type="title"/>
+          </p:nvPr>
+        </p:nvSpPr>
+        <p:spPr/>
+        <p:txBody>
+          <a:bodyPr/>
+          <a:lstStyle/>
+          <a:p>
+            <a:r>
+              <a:rPr lang="en-US" dirty="0"/>
+              <a:t>Variational Autoencoders</a:t>
+            </a:r>
+            <a:endParaRPr lang="en-ZA" dirty="0"/>
+          </a:p>
+        </p:txBody>
+      </p:sp>
+      <p:sp>
+        <p:nvSpPr>
+          <p:cNvPr id="7" name="Content Placeholder 6">
+            <a:extLst>
+              <a:ext uri="{FF2B5EF4-FFF2-40B4-BE49-F238E27FC236}">
+                <a16:creationId xmlns:a16="http://schemas.microsoft.com/office/drawing/2014/main" id="{56F5CF3A-845E-49CC-B98A-FBDB775A7A5E}"/>
+              </a:ext>
+            </a:extLst>
+          </p:cNvPr>
+          <p:cNvSpPr>
+            <a:spLocks noGrp="1"/>
+          </p:cNvSpPr>
+          <p:nvPr>
+            <p:ph sz="half" idx="2"/>
+          </p:nvPr>
+        </p:nvSpPr>
+        <p:spPr/>
+        <p:txBody>
+          <a:bodyPr/>
+          <a:lstStyle/>
+          <a:p>
+            <a:endParaRPr lang="en-ZA"/>
+          </a:p>
+        </p:txBody>
+      </p:sp>
+      <p:pic>
+        <p:nvPicPr>
+          <p:cNvPr id="8" name="Content Placeholder 7">
+            <a:extLst>
+              <a:ext uri="{FF2B5EF4-FFF2-40B4-BE49-F238E27FC236}">
+                <a16:creationId xmlns:a16="http://schemas.microsoft.com/office/drawing/2014/main" id="{8A05EFE5-2A56-4986-A6DB-D374134093E7}"/>
+              </a:ext>
+            </a:extLst>
+          </p:cNvPr>
+          <p:cNvPicPr>
+            <a:picLocks noGrp="1" noChangeAspect="1"/>
+          </p:cNvPicPr>
+          <p:nvPr>
+            <p:ph sz="half" idx="1"/>
+          </p:nvPr>
+        </p:nvPicPr>
+        <p:blipFill>
+          <a:blip r:embed="rId2"/>
+          <a:stretch>
+            <a:fillRect/>
+          </a:stretch>
+        </p:blipFill>
+        <p:spPr>
+          <a:xfrm>
+            <a:off x="431800" y="1727083"/>
+            <a:ext cx="5588000" cy="3730860"/>
+          </a:xfrm>
+          <a:prstGeom prst="rect">
+            <a:avLst/>
+          </a:prstGeom>
+        </p:spPr>
+      </p:pic>
+    </p:spTree>
+    <p:extLst>
+      <p:ext uri="{BB962C8B-B14F-4D97-AF65-F5344CB8AC3E}">
+        <p14:creationId xmlns:p14="http://schemas.microsoft.com/office/powerpoint/2010/main" val="3253935429"/>
       </p:ext>
     </p:extLst>
   </p:cSld>
